--- a/m6-2-debugging/презентация.pptx
+++ b/m6-2-debugging/презентация.pptx
@@ -28600,7 +28600,11 @@
             </a:r>
             <a:r>
               <a:rPr lang="ru-RU" dirty="0"/>
-              <a:t>.2 Отладка кода</a:t>
+              <a:t>.2 Отладка кода. </a:t>
+            </a:r>
+            <a:r>
+              <a:rPr lang="ru-RU"/>
+              <a:t>Работа с БД</a:t>
             </a:r>
             <a:endParaRPr dirty="0"/>
           </a:p>
